--- a/site/slides/Unit9_Logical Expressions.pptx
+++ b/site/slides/Unit9_Logical Expressions.pptx
@@ -182,7 +182,7 @@
 <file path=ppt/revisionInfo.xml><?xml version="1.0" encoding="utf-8"?>
 <p1510:revInfo xmlns:a="http://schemas.openxmlformats.org/drawingml/2006/main" xmlns:r="http://schemas.openxmlformats.org/officeDocument/2006/relationships" xmlns:p1510="http://schemas.microsoft.com/office/powerpoint/2015/10/main">
   <p1510:revLst>
-    <p1510:client id="{C61BCB74-EF8D-4912-BE71-FB26A32C1AA0}" v="2" dt="2024-01-31T05:31:53.508"/>
+    <p1510:client id="{C61BCB74-EF8D-4912-BE71-FB26A32C1AA0}" v="5" dt="2024-02-05T04:40:42.932"/>
   </p1510:revLst>
 </p1510:revInfo>
 </file>
@@ -1225,8 +1225,8 @@
   </pc:docChgLst>
   <pc:docChgLst>
     <pc:chgData name="Zhao Jin" userId="cd05a825-544c-438a-9ba1-08e63db50b47" providerId="ADAL" clId="{C61BCB74-EF8D-4912-BE71-FB26A32C1AA0}"/>
-    <pc:docChg chg="modSld">
-      <pc:chgData name="Zhao Jin" userId="cd05a825-544c-438a-9ba1-08e63db50b47" providerId="ADAL" clId="{C61BCB74-EF8D-4912-BE71-FB26A32C1AA0}" dt="2024-01-31T05:30:44.469" v="0"/>
+    <pc:docChg chg="undo custSel modSld">
+      <pc:chgData name="Zhao Jin" userId="cd05a825-544c-438a-9ba1-08e63db50b47" providerId="ADAL" clId="{C61BCB74-EF8D-4912-BE71-FB26A32C1AA0}" dt="2024-02-05T04:41:12.556" v="222" actId="207"/>
       <pc:docMkLst>
         <pc:docMk/>
       </pc:docMkLst>
@@ -1252,6 +1252,58 @@
             <ac:picMk id="2" creationId="{131E007D-C673-C94E-397F-FDD11D5321C5}"/>
           </ac:picMkLst>
         </pc:picChg>
+      </pc:sldChg>
+      <pc:sldChg chg="modSp mod">
+        <pc:chgData name="Zhao Jin" userId="cd05a825-544c-438a-9ba1-08e63db50b47" providerId="ADAL" clId="{C61BCB74-EF8D-4912-BE71-FB26A32C1AA0}" dt="2024-02-05T04:41:12.556" v="222" actId="207"/>
+        <pc:sldMkLst>
+          <pc:docMk/>
+          <pc:sldMk cId="2882118053" sldId="552"/>
+        </pc:sldMkLst>
+        <pc:spChg chg="mod">
+          <ac:chgData name="Zhao Jin" userId="cd05a825-544c-438a-9ba1-08e63db50b47" providerId="ADAL" clId="{C61BCB74-EF8D-4912-BE71-FB26A32C1AA0}" dt="2024-02-05T04:41:12.556" v="222" actId="207"/>
+          <ac:spMkLst>
+            <pc:docMk/>
+            <pc:sldMk cId="2882118053" sldId="552"/>
+            <ac:spMk id="10" creationId="{00000000-0000-0000-0000-000000000000}"/>
+          </ac:spMkLst>
+        </pc:spChg>
+      </pc:sldChg>
+      <pc:sldChg chg="modAnim">
+        <pc:chgData name="Zhao Jin" userId="cd05a825-544c-438a-9ba1-08e63db50b47" providerId="ADAL" clId="{C61BCB74-EF8D-4912-BE71-FB26A32C1AA0}" dt="2024-02-05T04:40:42.932" v="221"/>
+        <pc:sldMkLst>
+          <pc:docMk/>
+          <pc:sldMk cId="2082920116" sldId="553"/>
+        </pc:sldMkLst>
+      </pc:sldChg>
+      <pc:sldChg chg="addSp modSp mod modAnim">
+        <pc:chgData name="Zhao Jin" userId="cd05a825-544c-438a-9ba1-08e63db50b47" providerId="ADAL" clId="{C61BCB74-EF8D-4912-BE71-FB26A32C1AA0}" dt="2024-02-05T04:40:32.529" v="220"/>
+        <pc:sldMkLst>
+          <pc:docMk/>
+          <pc:sldMk cId="2400482035" sldId="560"/>
+        </pc:sldMkLst>
+        <pc:spChg chg="add mod">
+          <ac:chgData name="Zhao Jin" userId="cd05a825-544c-438a-9ba1-08e63db50b47" providerId="ADAL" clId="{C61BCB74-EF8D-4912-BE71-FB26A32C1AA0}" dt="2024-02-05T04:40:18.671" v="219" actId="207"/>
+          <ac:spMkLst>
+            <pc:docMk/>
+            <pc:sldMk cId="2400482035" sldId="560"/>
+            <ac:spMk id="3" creationId="{E042E30F-676C-4C9A-E96B-F9A5C2B51F5E}"/>
+          </ac:spMkLst>
+        </pc:spChg>
+      </pc:sldChg>
+      <pc:sldChg chg="modSp mod">
+        <pc:chgData name="Zhao Jin" userId="cd05a825-544c-438a-9ba1-08e63db50b47" providerId="ADAL" clId="{C61BCB74-EF8D-4912-BE71-FB26A32C1AA0}" dt="2024-02-05T04:27:14.947" v="136" actId="20577"/>
+        <pc:sldMkLst>
+          <pc:docMk/>
+          <pc:sldMk cId="1986771488" sldId="561"/>
+        </pc:sldMkLst>
+        <pc:spChg chg="mod">
+          <ac:chgData name="Zhao Jin" userId="cd05a825-544c-438a-9ba1-08e63db50b47" providerId="ADAL" clId="{C61BCB74-EF8D-4912-BE71-FB26A32C1AA0}" dt="2024-02-05T04:27:14.947" v="136" actId="20577"/>
+          <ac:spMkLst>
+            <pc:docMk/>
+            <pc:sldMk cId="1986771488" sldId="561"/>
+            <ac:spMk id="49" creationId="{00000000-0000-0000-0000-000000000000}"/>
+          </ac:spMkLst>
+        </pc:spChg>
       </pc:sldChg>
     </pc:docChg>
   </pc:docChgLst>
@@ -2808,7 +2860,7 @@
               <a:pPr>
                 <a:defRPr/>
               </a:pPr>
-              <a:t>1/31/2024</a:t>
+              <a:t>2/5/2024</a:t>
             </a:fld>
             <a:endParaRPr lang="en-US" dirty="0"/>
           </a:p>
@@ -9321,7 +9373,27 @@
                 <a:latin typeface="Courier New" pitchFamily="49" charset="0"/>
                 <a:cs typeface="Courier New" pitchFamily="49" charset="0"/>
               </a:rPr>
-              <a:t>} else {</a:t>
+              <a:t>} </a:t>
+            </a:r>
+            <a:r>
+              <a:rPr lang="en-US" b="1" dirty="0">
+                <a:solidFill>
+                  <a:srgbClr val="0000FF"/>
+                </a:solidFill>
+                <a:latin typeface="Courier New" pitchFamily="49" charset="0"/>
+                <a:cs typeface="Courier New" pitchFamily="49" charset="0"/>
+              </a:rPr>
+              <a:t>else</a:t>
+            </a:r>
+            <a:r>
+              <a:rPr lang="en-US" b="1" dirty="0">
+                <a:solidFill>
+                  <a:schemeClr val="tx1"/>
+                </a:solidFill>
+                <a:latin typeface="Courier New" pitchFamily="49" charset="0"/>
+                <a:cs typeface="Courier New" pitchFamily="49" charset="0"/>
+              </a:rPr>
+              <a:t> {</a:t>
             </a:r>
           </a:p>
           <a:p>
@@ -12852,138 +12924,6 @@
   <p:transition>
     <p:fade/>
   </p:transition>
-  <p:timing>
-    <p:tnLst>
-      <p:par>
-        <p:cTn id="1" dur="indefinite" restart="never" nodeType="tmRoot">
-          <p:childTnLst>
-            <p:seq concurrent="1" nextAc="seek">
-              <p:cTn id="2" dur="indefinite" nodeType="mainSeq">
-                <p:childTnLst>
-                  <p:par>
-                    <p:cTn id="3" fill="hold">
-                      <p:stCondLst>
-                        <p:cond delay="indefinite"/>
-                        <p:cond evt="onBegin" delay="0">
-                          <p:tn val="2"/>
-                        </p:cond>
-                      </p:stCondLst>
-                      <p:childTnLst>
-                        <p:par>
-                          <p:cTn id="4" fill="hold">
-                            <p:stCondLst>
-                              <p:cond delay="0"/>
-                            </p:stCondLst>
-                            <p:childTnLst>
-                              <p:par>
-                                <p:cTn id="5" presetID="55" presetClass="entr" presetSubtype="0" fill="hold" nodeType="afterEffect">
-                                  <p:stCondLst>
-                                    <p:cond delay="0"/>
-                                  </p:stCondLst>
-                                  <p:childTnLst>
-                                    <p:set>
-                                      <p:cBhvr>
-                                        <p:cTn id="6" dur="1" fill="hold">
-                                          <p:stCondLst>
-                                            <p:cond delay="0"/>
-                                          </p:stCondLst>
-                                        </p:cTn>
-                                        <p:tgtEl>
-                                          <p:spTgt spid="9"/>
-                                        </p:tgtEl>
-                                        <p:attrNameLst>
-                                          <p:attrName>style.visibility</p:attrName>
-                                        </p:attrNameLst>
-                                      </p:cBhvr>
-                                      <p:to>
-                                        <p:strVal val="visible"/>
-                                      </p:to>
-                                    </p:set>
-                                    <p:anim calcmode="lin" valueType="num">
-                                      <p:cBhvr>
-                                        <p:cTn id="7" dur="1000" fill="hold"/>
-                                        <p:tgtEl>
-                                          <p:spTgt spid="9"/>
-                                        </p:tgtEl>
-                                        <p:attrNameLst>
-                                          <p:attrName>ppt_w</p:attrName>
-                                        </p:attrNameLst>
-                                      </p:cBhvr>
-                                      <p:tavLst>
-                                        <p:tav tm="0">
-                                          <p:val>
-                                            <p:strVal val="#ppt_w*0.70"/>
-                                          </p:val>
-                                        </p:tav>
-                                        <p:tav tm="100000">
-                                          <p:val>
-                                            <p:strVal val="#ppt_w"/>
-                                          </p:val>
-                                        </p:tav>
-                                      </p:tavLst>
-                                    </p:anim>
-                                    <p:anim calcmode="lin" valueType="num">
-                                      <p:cBhvr>
-                                        <p:cTn id="8" dur="1000" fill="hold"/>
-                                        <p:tgtEl>
-                                          <p:spTgt spid="9"/>
-                                        </p:tgtEl>
-                                        <p:attrNameLst>
-                                          <p:attrName>ppt_h</p:attrName>
-                                        </p:attrNameLst>
-                                      </p:cBhvr>
-                                      <p:tavLst>
-                                        <p:tav tm="0">
-                                          <p:val>
-                                            <p:strVal val="#ppt_h"/>
-                                          </p:val>
-                                        </p:tav>
-                                        <p:tav tm="100000">
-                                          <p:val>
-                                            <p:strVal val="#ppt_h"/>
-                                          </p:val>
-                                        </p:tav>
-                                      </p:tavLst>
-                                    </p:anim>
-                                    <p:animEffect transition="in" filter="fade">
-                                      <p:cBhvr>
-                                        <p:cTn id="9" dur="1000"/>
-                                        <p:tgtEl>
-                                          <p:spTgt spid="9"/>
-                                        </p:tgtEl>
-                                      </p:cBhvr>
-                                    </p:animEffect>
-                                  </p:childTnLst>
-                                </p:cTn>
-                              </p:par>
-                            </p:childTnLst>
-                          </p:cTn>
-                        </p:par>
-                      </p:childTnLst>
-                    </p:cTn>
-                  </p:par>
-                </p:childTnLst>
-              </p:cTn>
-              <p:prevCondLst>
-                <p:cond evt="onPrev" delay="0">
-                  <p:tgtEl>
-                    <p:sldTgt/>
-                  </p:tgtEl>
-                </p:cond>
-              </p:prevCondLst>
-              <p:nextCondLst>
-                <p:cond evt="onNext" delay="0">
-                  <p:tgtEl>
-                    <p:sldTgt/>
-                  </p:tgtEl>
-                </p:cond>
-              </p:nextCondLst>
-            </p:seq>
-          </p:childTnLst>
-        </p:cTn>
-      </p:par>
-    </p:tnLst>
-  </p:timing>
 </p:sld>
 </file>
 
@@ -14041,6 +13981,138 @@
           </a:p>
         </p:txBody>
       </p:sp>
+      <p:sp>
+        <p:nvSpPr>
+          <p:cNvPr id="3" name="TextBox 2">
+            <a:extLst>
+              <a:ext uri="{FF2B5EF4-FFF2-40B4-BE49-F238E27FC236}">
+                <a16:creationId xmlns:a16="http://schemas.microsoft.com/office/drawing/2014/main" id="{E042E30F-676C-4C9A-E96B-F9A5C2B51F5E}"/>
+              </a:ext>
+            </a:extLst>
+          </p:cNvPr>
+          <p:cNvSpPr txBox="1"/>
+          <p:nvPr/>
+        </p:nvSpPr>
+        <p:spPr>
+          <a:xfrm>
+            <a:off x="776186" y="4348501"/>
+            <a:ext cx="6696669" cy="369332"/>
+          </a:xfrm>
+          <a:prstGeom prst="rect">
+            <a:avLst/>
+          </a:prstGeom>
+          <a:solidFill>
+            <a:srgbClr val="FFFFCC"/>
+          </a:solidFill>
+        </p:spPr>
+        <p:style>
+          <a:lnRef idx="2">
+            <a:schemeClr val="accent6"/>
+          </a:lnRef>
+          <a:fillRef idx="1">
+            <a:schemeClr val="lt1"/>
+          </a:fillRef>
+          <a:effectRef idx="0">
+            <a:schemeClr val="accent6"/>
+          </a:effectRef>
+          <a:fontRef idx="minor">
+            <a:schemeClr val="dk1"/>
+          </a:fontRef>
+        </p:style>
+        <p:txBody>
+          <a:bodyPr wrap="square">
+            <a:spAutoFit/>
+          </a:bodyPr>
+          <a:lstStyle/>
+          <a:p>
+            <a:pPr>
+              <a:tabLst>
+                <a:tab pos="457200" algn="l"/>
+              </a:tabLst>
+              <a:defRPr/>
+            </a:pPr>
+            <a:r>
+              <a:rPr lang="en-US" b="1" dirty="0">
+                <a:solidFill>
+                  <a:schemeClr val="tx1"/>
+                </a:solidFill>
+                <a:latin typeface="Courier New" pitchFamily="49" charset="0"/>
+                <a:cs typeface="Courier New" pitchFamily="49" charset="0"/>
+              </a:rPr>
+              <a:t>…</a:t>
+            </a:r>
+            <a:r>
+              <a:rPr lang="en-US" b="1" dirty="0">
+                <a:latin typeface="Courier New" pitchFamily="49" charset="0"/>
+                <a:cs typeface="Courier New" pitchFamily="49" charset="0"/>
+              </a:rPr>
+              <a:t>((</a:t>
+            </a:r>
+            <a:r>
+              <a:rPr lang="en-US" b="1" dirty="0">
+                <a:solidFill>
+                  <a:srgbClr val="C00000"/>
+                </a:solidFill>
+                <a:latin typeface="Courier New" pitchFamily="49" charset="0"/>
+                <a:cs typeface="Courier New" pitchFamily="49" charset="0"/>
+              </a:rPr>
+              <a:t>1995</a:t>
+            </a:r>
+            <a:r>
+              <a:rPr lang="en-US" b="1" dirty="0">
+                <a:latin typeface="Courier New" pitchFamily="49" charset="0"/>
+                <a:cs typeface="Courier New" pitchFamily="49" charset="0"/>
+              </a:rPr>
+              <a:t> &lt;= </a:t>
+            </a:r>
+            <a:r>
+              <a:rPr lang="en-US" b="1" dirty="0" err="1">
+                <a:latin typeface="Courier New" pitchFamily="49" charset="0"/>
+                <a:cs typeface="Courier New" pitchFamily="49" charset="0"/>
+              </a:rPr>
+              <a:t>birth_year</a:t>
+            </a:r>
+            <a:r>
+              <a:rPr lang="en-US" b="1" dirty="0">
+                <a:latin typeface="Courier New" pitchFamily="49" charset="0"/>
+                <a:cs typeface="Courier New" pitchFamily="49" charset="0"/>
+              </a:rPr>
+              <a:t>) &amp;&amp; (</a:t>
+            </a:r>
+            <a:r>
+              <a:rPr lang="en-US" b="1" dirty="0" err="1">
+                <a:latin typeface="Courier New" pitchFamily="49" charset="0"/>
+                <a:cs typeface="Courier New" pitchFamily="49" charset="0"/>
+              </a:rPr>
+              <a:t>birth_year</a:t>
+            </a:r>
+            <a:r>
+              <a:rPr lang="en-US" b="1" dirty="0">
+                <a:latin typeface="Courier New" pitchFamily="49" charset="0"/>
+                <a:cs typeface="Courier New" pitchFamily="49" charset="0"/>
+              </a:rPr>
+              <a:t> &lt;= </a:t>
+            </a:r>
+            <a:r>
+              <a:rPr lang="en-US" b="1" dirty="0">
+                <a:solidFill>
+                  <a:srgbClr val="C00000"/>
+                </a:solidFill>
+                <a:latin typeface="Courier New" pitchFamily="49" charset="0"/>
+                <a:cs typeface="Courier New" pitchFamily="49" charset="0"/>
+              </a:rPr>
+              <a:t>2005</a:t>
+            </a:r>
+            <a:r>
+              <a:rPr lang="en-US" b="1" dirty="0">
+                <a:latin typeface="Courier New" pitchFamily="49" charset="0"/>
+                <a:cs typeface="Courier New" pitchFamily="49" charset="0"/>
+              </a:rPr>
+              <a:t>)…</a:t>
+            </a:r>
+          </a:p>
+        </p:txBody>
+      </p:sp>
     </p:spTree>
     <p:extLst>
       <p:ext uri="{BB962C8B-B14F-4D97-AF65-F5344CB8AC3E}">
@@ -14054,6 +14126,84 @@
   <p:transition>
     <p:fade/>
   </p:transition>
+  <p:timing>
+    <p:tnLst>
+      <p:par>
+        <p:cTn id="1" dur="indefinite" restart="never" nodeType="tmRoot">
+          <p:childTnLst>
+            <p:seq concurrent="1" nextAc="seek">
+              <p:cTn id="2" dur="indefinite" nodeType="mainSeq">
+                <p:childTnLst>
+                  <p:par>
+                    <p:cTn id="3" fill="hold">
+                      <p:stCondLst>
+                        <p:cond delay="indefinite"/>
+                      </p:stCondLst>
+                      <p:childTnLst>
+                        <p:par>
+                          <p:cTn id="4" fill="hold">
+                            <p:stCondLst>
+                              <p:cond delay="0"/>
+                            </p:stCondLst>
+                            <p:childTnLst>
+                              <p:par>
+                                <p:cTn id="5" presetID="1" presetClass="entr" presetSubtype="0" fill="hold" grpId="0" nodeType="clickEffect">
+                                  <p:stCondLst>
+                                    <p:cond delay="0"/>
+                                  </p:stCondLst>
+                                  <p:childTnLst>
+                                    <p:set>
+                                      <p:cBhvr>
+                                        <p:cTn id="6" dur="1" fill="hold">
+                                          <p:stCondLst>
+                                            <p:cond delay="0"/>
+                                          </p:stCondLst>
+                                        </p:cTn>
+                                        <p:tgtEl>
+                                          <p:spTgt spid="3"/>
+                                        </p:tgtEl>
+                                        <p:attrNameLst>
+                                          <p:attrName>style.visibility</p:attrName>
+                                        </p:attrNameLst>
+                                      </p:cBhvr>
+                                      <p:to>
+                                        <p:strVal val="visible"/>
+                                      </p:to>
+                                    </p:set>
+                                  </p:childTnLst>
+                                </p:cTn>
+                              </p:par>
+                            </p:childTnLst>
+                          </p:cTn>
+                        </p:par>
+                      </p:childTnLst>
+                    </p:cTn>
+                  </p:par>
+                </p:childTnLst>
+              </p:cTn>
+              <p:prevCondLst>
+                <p:cond evt="onPrev" delay="0">
+                  <p:tgtEl>
+                    <p:sldTgt/>
+                  </p:tgtEl>
+                </p:cond>
+              </p:prevCondLst>
+              <p:nextCondLst>
+                <p:cond evt="onNext" delay="0">
+                  <p:tgtEl>
+                    <p:sldTgt/>
+                  </p:tgtEl>
+                </p:cond>
+              </p:nextCondLst>
+            </p:seq>
+          </p:childTnLst>
+        </p:cTn>
+      </p:par>
+    </p:tnLst>
+    <p:bldLst>
+      <p:bldP spid="3" grpId="0" animBg="1"/>
+    </p:bldLst>
+  </p:timing>
 </p:sld>
 </file>
 
@@ -14697,50 +14847,64 @@
               <a:t>Example: </a:t>
             </a:r>
             <a:r>
-              <a:rPr lang="en-US" dirty="0" err="1">
-                <a:sym typeface="Wingdings" panose="05000000000000000000" pitchFamily="2" charset="2"/>
+              <a:rPr lang="en-US" dirty="0">
+                <a:highlight>
+                  <a:srgbClr val="FFFF00"/>
+                </a:highlight>
               </a:rPr>
-              <a:t>has_been_overseas_recently</a:t>
+              <a:t>(number &lt; 100000)</a:t>
+            </a:r>
+            <a:r>
+              <a:rPr lang="en-US" dirty="0"/>
+              <a:t> &amp;&amp; </a:t>
+            </a:r>
+            <a:r>
+              <a:rPr lang="en-US" dirty="0" err="1"/>
+              <a:t>is_prime</a:t>
+            </a:r>
+            <a:r>
+              <a:rPr lang="en-US" dirty="0"/>
+              <a:t>(number) VS</a:t>
+            </a:r>
+          </a:p>
+          <a:p>
+            <a:pPr marL="274320" lvl="1" indent="0" fontAlgn="auto">
+              <a:spcBef>
+                <a:spcPts val="600"/>
+              </a:spcBef>
+              <a:spcAft>
+                <a:spcPts val="0"/>
+              </a:spcAft>
+              <a:buClr>
+                <a:schemeClr val="tx1">
+                  <a:lumMod val="90000"/>
+                  <a:lumOff val="10000"/>
+                </a:schemeClr>
+              </a:buClr>
+              <a:buSzPct val="100000"/>
+              <a:buNone/>
+            </a:pPr>
+            <a:r>
+              <a:rPr lang="en-US" dirty="0"/>
+              <a:t>                     </a:t>
+            </a:r>
+            <a:r>
+              <a:rPr lang="en-US" dirty="0" err="1"/>
+              <a:t>is_prime</a:t>
+            </a:r>
+            <a:r>
+              <a:rPr lang="en-US" dirty="0"/>
+              <a:t>(number) &amp;&amp; </a:t>
             </a:r>
             <a:r>
               <a:rPr lang="en-US" dirty="0">
-                <a:sym typeface="Wingdings" panose="05000000000000000000" pitchFamily="2" charset="2"/>
+                <a:highlight>
+                  <a:srgbClr val="FFFF00"/>
+                </a:highlight>
               </a:rPr>
-              <a:t>(person) </a:t>
-            </a:r>
-            <a:r>
-              <a:rPr lang="en-US" dirty="0">
-                <a:solidFill>
-                  <a:srgbClr val="C00000"/>
-                </a:solidFill>
-                <a:sym typeface="Wingdings" panose="05000000000000000000" pitchFamily="2" charset="2"/>
-              </a:rPr>
-              <a:t>|| </a:t>
-            </a:r>
-            <a:br>
-              <a:rPr lang="en-US" dirty="0">
-                <a:sym typeface="Wingdings" panose="05000000000000000000" pitchFamily="2" charset="2"/>
-              </a:rPr>
-            </a:br>
-            <a:r>
-              <a:rPr lang="en-US" dirty="0">
-                <a:sym typeface="Wingdings" panose="05000000000000000000" pitchFamily="2" charset="2"/>
-              </a:rPr>
-              <a:t>                </a:t>
-            </a:r>
-            <a:r>
-              <a:rPr lang="en-US" dirty="0" err="1">
-                <a:sym typeface="Wingdings" panose="05000000000000000000" pitchFamily="2" charset="2"/>
-              </a:rPr>
-              <a:t>is_tested_positive</a:t>
-            </a:r>
-            <a:r>
-              <a:rPr lang="en-US" dirty="0">
-                <a:sym typeface="Wingdings" panose="05000000000000000000" pitchFamily="2" charset="2"/>
-              </a:rPr>
-              <a:t>(person)</a:t>
-            </a:r>
-            <a:endParaRPr lang="en-US" sz="1900" dirty="0">
+              <a:t>(number &lt; 100000)</a:t>
+            </a:r>
+            <a:endParaRPr lang="en-US" dirty="0">
               <a:sym typeface="Wingdings" panose="05000000000000000000" pitchFamily="2" charset="2"/>
             </a:endParaRPr>
           </a:p>
